--- a/lectures/13.visitor/visitor.pptx
+++ b/lectures/13.visitor/visitor.pptx
@@ -229,7 +229,7 @@
           <a:p>
             <a:fld id="{2F3DCB6D-0B48-4A3D-B663-06C3F903A9D3}" type="datetimeFigureOut">
               <a:rPr lang="ru-RU" smtClean="0"/>
-              <a:t>16.06.2016</a:t>
+              <a:t>15.11.2018</a:t>
             </a:fld>
             <a:endParaRPr lang="ru-RU"/>
           </a:p>
@@ -1519,7 +1519,7 @@
           <a:p>
             <a:fld id="{2590F9C9-AB92-4E86-B698-DEC9BF4350FF}" type="datetimeFigureOut">
               <a:rPr lang="ru-RU" smtClean="0"/>
-              <a:t>16.06.2016</a:t>
+              <a:t>15.11.2018</a:t>
             </a:fld>
             <a:endParaRPr lang="ru-RU"/>
           </a:p>
@@ -1743,7 +1743,7 @@
           <a:p>
             <a:fld id="{2590F9C9-AB92-4E86-B698-DEC9BF4350FF}" type="datetimeFigureOut">
               <a:rPr lang="ru-RU" smtClean="0"/>
-              <a:t>16.06.2016</a:t>
+              <a:t>15.11.2018</a:t>
             </a:fld>
             <a:endParaRPr lang="ru-RU"/>
           </a:p>
@@ -2015,7 +2015,7 @@
           <a:p>
             <a:fld id="{2590F9C9-AB92-4E86-B698-DEC9BF4350FF}" type="datetimeFigureOut">
               <a:rPr lang="ru-RU" smtClean="0"/>
-              <a:t>16.06.2016</a:t>
+              <a:t>15.11.2018</a:t>
             </a:fld>
             <a:endParaRPr lang="ru-RU"/>
           </a:p>
@@ -2190,7 +2190,7 @@
           <a:p>
             <a:fld id="{2590F9C9-AB92-4E86-B698-DEC9BF4350FF}" type="datetimeFigureOut">
               <a:rPr lang="ru-RU" smtClean="0"/>
-              <a:t>16.06.2016</a:t>
+              <a:t>15.11.2018</a:t>
             </a:fld>
             <a:endParaRPr lang="ru-RU"/>
           </a:p>
@@ -2551,7 +2551,7 @@
           <a:p>
             <a:fld id="{2590F9C9-AB92-4E86-B698-DEC9BF4350FF}" type="datetimeFigureOut">
               <a:rPr lang="ru-RU" smtClean="0"/>
-              <a:t>16.06.2016</a:t>
+              <a:t>15.11.2018</a:t>
             </a:fld>
             <a:endParaRPr lang="ru-RU"/>
           </a:p>
@@ -2836,7 +2836,7 @@
           <a:p>
             <a:fld id="{2590F9C9-AB92-4E86-B698-DEC9BF4350FF}" type="datetimeFigureOut">
               <a:rPr lang="ru-RU" smtClean="0"/>
-              <a:t>16.06.2016</a:t>
+              <a:t>15.11.2018</a:t>
             </a:fld>
             <a:endParaRPr lang="ru-RU"/>
           </a:p>
@@ -3258,7 +3258,7 @@
           <a:p>
             <a:fld id="{2590F9C9-AB92-4E86-B698-DEC9BF4350FF}" type="datetimeFigureOut">
               <a:rPr lang="ru-RU" smtClean="0"/>
-              <a:t>16.06.2016</a:t>
+              <a:t>15.11.2018</a:t>
             </a:fld>
             <a:endParaRPr lang="ru-RU"/>
           </a:p>
@@ -3371,7 +3371,7 @@
           <a:p>
             <a:fld id="{2590F9C9-AB92-4E86-B698-DEC9BF4350FF}" type="datetimeFigureOut">
               <a:rPr lang="ru-RU" smtClean="0"/>
-              <a:t>16.06.2016</a:t>
+              <a:t>15.11.2018</a:t>
             </a:fld>
             <a:endParaRPr lang="ru-RU"/>
           </a:p>
@@ -3468,7 +3468,7 @@
           <a:p>
             <a:fld id="{2590F9C9-AB92-4E86-B698-DEC9BF4350FF}" type="datetimeFigureOut">
               <a:rPr lang="ru-RU" smtClean="0"/>
-              <a:t>16.06.2016</a:t>
+              <a:t>15.11.2018</a:t>
             </a:fld>
             <a:endParaRPr lang="ru-RU"/>
           </a:p>
@@ -3753,7 +3753,7 @@
           <a:p>
             <a:fld id="{2590F9C9-AB92-4E86-B698-DEC9BF4350FF}" type="datetimeFigureOut">
               <a:rPr lang="ru-RU" smtClean="0"/>
-              <a:t>16.06.2016</a:t>
+              <a:t>15.11.2018</a:t>
             </a:fld>
             <a:endParaRPr lang="ru-RU"/>
           </a:p>
@@ -4115,7 +4115,7 @@
           <a:p>
             <a:fld id="{2590F9C9-AB92-4E86-B698-DEC9BF4350FF}" type="datetimeFigureOut">
               <a:rPr lang="ru-RU" smtClean="0"/>
-              <a:t>16.06.2016</a:t>
+              <a:t>15.11.2018</a:t>
             </a:fld>
             <a:endParaRPr lang="ru-RU"/>
           </a:p>
@@ -4540,7 +4540,7 @@
           <a:p>
             <a:fld id="{2590F9C9-AB92-4E86-B698-DEC9BF4350FF}" type="datetimeFigureOut">
               <a:rPr lang="ru-RU" smtClean="0"/>
-              <a:t>16.06.2016</a:t>
+              <a:t>15.11.2018</a:t>
             </a:fld>
             <a:endParaRPr lang="ru-RU"/>
           </a:p>
@@ -14997,9 +14997,494 @@
   <p:timing>
     <p:tnLst>
       <p:par>
-        <p:cTn id="1" dur="indefinite" restart="never" nodeType="tmRoot"/>
+        <p:cTn id="1" dur="indefinite" restart="never" nodeType="tmRoot">
+          <p:childTnLst>
+            <p:seq concurrent="1" nextAc="seek">
+              <p:cTn id="2" dur="indefinite" nodeType="mainSeq">
+                <p:childTnLst>
+                  <p:par>
+                    <p:cTn id="3" fill="hold">
+                      <p:stCondLst>
+                        <p:cond delay="indefinite"/>
+                      </p:stCondLst>
+                      <p:childTnLst>
+                        <p:par>
+                          <p:cTn id="4" fill="hold">
+                            <p:stCondLst>
+                              <p:cond delay="0"/>
+                            </p:stCondLst>
+                            <p:childTnLst>
+                              <p:par>
+                                <p:cTn id="5" presetID="10" presetClass="entr" presetSubtype="0" fill="hold" grpId="0" nodeType="clickEffect">
+                                  <p:stCondLst>
+                                    <p:cond delay="0"/>
+                                  </p:stCondLst>
+                                  <p:childTnLst>
+                                    <p:set>
+                                      <p:cBhvr>
+                                        <p:cTn id="6" dur="1" fill="hold">
+                                          <p:stCondLst>
+                                            <p:cond delay="0"/>
+                                          </p:stCondLst>
+                                        </p:cTn>
+                                        <p:tgtEl>
+                                          <p:spTgt spid="3">
+                                            <p:txEl>
+                                              <p:pRg st="0" end="0"/>
+                                            </p:txEl>
+                                          </p:spTgt>
+                                        </p:tgtEl>
+                                        <p:attrNameLst>
+                                          <p:attrName>style.visibility</p:attrName>
+                                        </p:attrNameLst>
+                                      </p:cBhvr>
+                                      <p:to>
+                                        <p:strVal val="visible"/>
+                                      </p:to>
+                                    </p:set>
+                                    <p:animEffect transition="in" filter="fade">
+                                      <p:cBhvr>
+                                        <p:cTn id="7" dur="500"/>
+                                        <p:tgtEl>
+                                          <p:spTgt spid="3">
+                                            <p:txEl>
+                                              <p:pRg st="0" end="0"/>
+                                            </p:txEl>
+                                          </p:spTgt>
+                                        </p:tgtEl>
+                                      </p:cBhvr>
+                                    </p:animEffect>
+                                  </p:childTnLst>
+                                </p:cTn>
+                              </p:par>
+                              <p:par>
+                                <p:cTn id="8" presetID="10" presetClass="entr" presetSubtype="0" fill="hold" grpId="0" nodeType="withEffect">
+                                  <p:stCondLst>
+                                    <p:cond delay="0"/>
+                                  </p:stCondLst>
+                                  <p:childTnLst>
+                                    <p:set>
+                                      <p:cBhvr>
+                                        <p:cTn id="9" dur="1" fill="hold">
+                                          <p:stCondLst>
+                                            <p:cond delay="0"/>
+                                          </p:stCondLst>
+                                        </p:cTn>
+                                        <p:tgtEl>
+                                          <p:spTgt spid="3">
+                                            <p:txEl>
+                                              <p:pRg st="1" end="1"/>
+                                            </p:txEl>
+                                          </p:spTgt>
+                                        </p:tgtEl>
+                                        <p:attrNameLst>
+                                          <p:attrName>style.visibility</p:attrName>
+                                        </p:attrNameLst>
+                                      </p:cBhvr>
+                                      <p:to>
+                                        <p:strVal val="visible"/>
+                                      </p:to>
+                                    </p:set>
+                                    <p:animEffect transition="in" filter="fade">
+                                      <p:cBhvr>
+                                        <p:cTn id="10" dur="500"/>
+                                        <p:tgtEl>
+                                          <p:spTgt spid="3">
+                                            <p:txEl>
+                                              <p:pRg st="1" end="1"/>
+                                            </p:txEl>
+                                          </p:spTgt>
+                                        </p:tgtEl>
+                                      </p:cBhvr>
+                                    </p:animEffect>
+                                  </p:childTnLst>
+                                </p:cTn>
+                              </p:par>
+                            </p:childTnLst>
+                          </p:cTn>
+                        </p:par>
+                      </p:childTnLst>
+                    </p:cTn>
+                  </p:par>
+                  <p:par>
+                    <p:cTn id="11" fill="hold">
+                      <p:stCondLst>
+                        <p:cond delay="indefinite"/>
+                      </p:stCondLst>
+                      <p:childTnLst>
+                        <p:par>
+                          <p:cTn id="12" fill="hold">
+                            <p:stCondLst>
+                              <p:cond delay="0"/>
+                            </p:stCondLst>
+                            <p:childTnLst>
+                              <p:par>
+                                <p:cTn id="13" presetID="10" presetClass="entr" presetSubtype="0" fill="hold" grpId="0" nodeType="clickEffect">
+                                  <p:stCondLst>
+                                    <p:cond delay="0"/>
+                                  </p:stCondLst>
+                                  <p:childTnLst>
+                                    <p:set>
+                                      <p:cBhvr>
+                                        <p:cTn id="14" dur="1" fill="hold">
+                                          <p:stCondLst>
+                                            <p:cond delay="0"/>
+                                          </p:stCondLst>
+                                        </p:cTn>
+                                        <p:tgtEl>
+                                          <p:spTgt spid="3">
+                                            <p:txEl>
+                                              <p:pRg st="2" end="2"/>
+                                            </p:txEl>
+                                          </p:spTgt>
+                                        </p:tgtEl>
+                                        <p:attrNameLst>
+                                          <p:attrName>style.visibility</p:attrName>
+                                        </p:attrNameLst>
+                                      </p:cBhvr>
+                                      <p:to>
+                                        <p:strVal val="visible"/>
+                                      </p:to>
+                                    </p:set>
+                                    <p:animEffect transition="in" filter="fade">
+                                      <p:cBhvr>
+                                        <p:cTn id="15" dur="500"/>
+                                        <p:tgtEl>
+                                          <p:spTgt spid="3">
+                                            <p:txEl>
+                                              <p:pRg st="2" end="2"/>
+                                            </p:txEl>
+                                          </p:spTgt>
+                                        </p:tgtEl>
+                                      </p:cBhvr>
+                                    </p:animEffect>
+                                  </p:childTnLst>
+                                </p:cTn>
+                              </p:par>
+                              <p:par>
+                                <p:cTn id="16" presetID="10" presetClass="entr" presetSubtype="0" fill="hold" grpId="0" nodeType="withEffect">
+                                  <p:stCondLst>
+                                    <p:cond delay="0"/>
+                                  </p:stCondLst>
+                                  <p:childTnLst>
+                                    <p:set>
+                                      <p:cBhvr>
+                                        <p:cTn id="17" dur="1" fill="hold">
+                                          <p:stCondLst>
+                                            <p:cond delay="0"/>
+                                          </p:stCondLst>
+                                        </p:cTn>
+                                        <p:tgtEl>
+                                          <p:spTgt spid="3">
+                                            <p:txEl>
+                                              <p:pRg st="3" end="3"/>
+                                            </p:txEl>
+                                          </p:spTgt>
+                                        </p:tgtEl>
+                                        <p:attrNameLst>
+                                          <p:attrName>style.visibility</p:attrName>
+                                        </p:attrNameLst>
+                                      </p:cBhvr>
+                                      <p:to>
+                                        <p:strVal val="visible"/>
+                                      </p:to>
+                                    </p:set>
+                                    <p:animEffect transition="in" filter="fade">
+                                      <p:cBhvr>
+                                        <p:cTn id="18" dur="500"/>
+                                        <p:tgtEl>
+                                          <p:spTgt spid="3">
+                                            <p:txEl>
+                                              <p:pRg st="3" end="3"/>
+                                            </p:txEl>
+                                          </p:spTgt>
+                                        </p:tgtEl>
+                                      </p:cBhvr>
+                                    </p:animEffect>
+                                  </p:childTnLst>
+                                </p:cTn>
+                              </p:par>
+                            </p:childTnLst>
+                          </p:cTn>
+                        </p:par>
+                      </p:childTnLst>
+                    </p:cTn>
+                  </p:par>
+                  <p:par>
+                    <p:cTn id="19" fill="hold">
+                      <p:stCondLst>
+                        <p:cond delay="indefinite"/>
+                      </p:stCondLst>
+                      <p:childTnLst>
+                        <p:par>
+                          <p:cTn id="20" fill="hold">
+                            <p:stCondLst>
+                              <p:cond delay="0"/>
+                            </p:stCondLst>
+                            <p:childTnLst>
+                              <p:par>
+                                <p:cTn id="21" presetID="10" presetClass="entr" presetSubtype="0" fill="hold" grpId="0" nodeType="clickEffect">
+                                  <p:stCondLst>
+                                    <p:cond delay="0"/>
+                                  </p:stCondLst>
+                                  <p:childTnLst>
+                                    <p:set>
+                                      <p:cBhvr>
+                                        <p:cTn id="22" dur="1" fill="hold">
+                                          <p:stCondLst>
+                                            <p:cond delay="0"/>
+                                          </p:stCondLst>
+                                        </p:cTn>
+                                        <p:tgtEl>
+                                          <p:spTgt spid="3">
+                                            <p:txEl>
+                                              <p:pRg st="4" end="4"/>
+                                            </p:txEl>
+                                          </p:spTgt>
+                                        </p:tgtEl>
+                                        <p:attrNameLst>
+                                          <p:attrName>style.visibility</p:attrName>
+                                        </p:attrNameLst>
+                                      </p:cBhvr>
+                                      <p:to>
+                                        <p:strVal val="visible"/>
+                                      </p:to>
+                                    </p:set>
+                                    <p:animEffect transition="in" filter="fade">
+                                      <p:cBhvr>
+                                        <p:cTn id="23" dur="500"/>
+                                        <p:tgtEl>
+                                          <p:spTgt spid="3">
+                                            <p:txEl>
+                                              <p:pRg st="4" end="4"/>
+                                            </p:txEl>
+                                          </p:spTgt>
+                                        </p:tgtEl>
+                                      </p:cBhvr>
+                                    </p:animEffect>
+                                  </p:childTnLst>
+                                </p:cTn>
+                              </p:par>
+                              <p:par>
+                                <p:cTn id="24" presetID="10" presetClass="entr" presetSubtype="0" fill="hold" grpId="0" nodeType="withEffect">
+                                  <p:stCondLst>
+                                    <p:cond delay="0"/>
+                                  </p:stCondLst>
+                                  <p:childTnLst>
+                                    <p:set>
+                                      <p:cBhvr>
+                                        <p:cTn id="25" dur="1" fill="hold">
+                                          <p:stCondLst>
+                                            <p:cond delay="0"/>
+                                          </p:stCondLst>
+                                        </p:cTn>
+                                        <p:tgtEl>
+                                          <p:spTgt spid="3">
+                                            <p:txEl>
+                                              <p:pRg st="5" end="5"/>
+                                            </p:txEl>
+                                          </p:spTgt>
+                                        </p:tgtEl>
+                                        <p:attrNameLst>
+                                          <p:attrName>style.visibility</p:attrName>
+                                        </p:attrNameLst>
+                                      </p:cBhvr>
+                                      <p:to>
+                                        <p:strVal val="visible"/>
+                                      </p:to>
+                                    </p:set>
+                                    <p:animEffect transition="in" filter="fade">
+                                      <p:cBhvr>
+                                        <p:cTn id="26" dur="500"/>
+                                        <p:tgtEl>
+                                          <p:spTgt spid="3">
+                                            <p:txEl>
+                                              <p:pRg st="5" end="5"/>
+                                            </p:txEl>
+                                          </p:spTgt>
+                                        </p:tgtEl>
+                                      </p:cBhvr>
+                                    </p:animEffect>
+                                  </p:childTnLst>
+                                </p:cTn>
+                              </p:par>
+                              <p:par>
+                                <p:cTn id="27" presetID="10" presetClass="entr" presetSubtype="0" fill="hold" grpId="0" nodeType="withEffect">
+                                  <p:stCondLst>
+                                    <p:cond delay="0"/>
+                                  </p:stCondLst>
+                                  <p:childTnLst>
+                                    <p:set>
+                                      <p:cBhvr>
+                                        <p:cTn id="28" dur="1" fill="hold">
+                                          <p:stCondLst>
+                                            <p:cond delay="0"/>
+                                          </p:stCondLst>
+                                        </p:cTn>
+                                        <p:tgtEl>
+                                          <p:spTgt spid="3">
+                                            <p:txEl>
+                                              <p:pRg st="6" end="6"/>
+                                            </p:txEl>
+                                          </p:spTgt>
+                                        </p:tgtEl>
+                                        <p:attrNameLst>
+                                          <p:attrName>style.visibility</p:attrName>
+                                        </p:attrNameLst>
+                                      </p:cBhvr>
+                                      <p:to>
+                                        <p:strVal val="visible"/>
+                                      </p:to>
+                                    </p:set>
+                                    <p:animEffect transition="in" filter="fade">
+                                      <p:cBhvr>
+                                        <p:cTn id="29" dur="500"/>
+                                        <p:tgtEl>
+                                          <p:spTgt spid="3">
+                                            <p:txEl>
+                                              <p:pRg st="6" end="6"/>
+                                            </p:txEl>
+                                          </p:spTgt>
+                                        </p:tgtEl>
+                                      </p:cBhvr>
+                                    </p:animEffect>
+                                  </p:childTnLst>
+                                </p:cTn>
+                              </p:par>
+                            </p:childTnLst>
+                          </p:cTn>
+                        </p:par>
+                      </p:childTnLst>
+                    </p:cTn>
+                  </p:par>
+                  <p:par>
+                    <p:cTn id="30" fill="hold">
+                      <p:stCondLst>
+                        <p:cond delay="indefinite"/>
+                      </p:stCondLst>
+                      <p:childTnLst>
+                        <p:par>
+                          <p:cTn id="31" fill="hold">
+                            <p:stCondLst>
+                              <p:cond delay="0"/>
+                            </p:stCondLst>
+                            <p:childTnLst>
+                              <p:par>
+                                <p:cTn id="32" presetID="10" presetClass="entr" presetSubtype="0" fill="hold" grpId="0" nodeType="clickEffect">
+                                  <p:stCondLst>
+                                    <p:cond delay="0"/>
+                                  </p:stCondLst>
+                                  <p:childTnLst>
+                                    <p:set>
+                                      <p:cBhvr>
+                                        <p:cTn id="33" dur="1" fill="hold">
+                                          <p:stCondLst>
+                                            <p:cond delay="0"/>
+                                          </p:stCondLst>
+                                        </p:cTn>
+                                        <p:tgtEl>
+                                          <p:spTgt spid="3">
+                                            <p:txEl>
+                                              <p:pRg st="7" end="7"/>
+                                            </p:txEl>
+                                          </p:spTgt>
+                                        </p:tgtEl>
+                                        <p:attrNameLst>
+                                          <p:attrName>style.visibility</p:attrName>
+                                        </p:attrNameLst>
+                                      </p:cBhvr>
+                                      <p:to>
+                                        <p:strVal val="visible"/>
+                                      </p:to>
+                                    </p:set>
+                                    <p:animEffect transition="in" filter="fade">
+                                      <p:cBhvr>
+                                        <p:cTn id="34" dur="500"/>
+                                        <p:tgtEl>
+                                          <p:spTgt spid="3">
+                                            <p:txEl>
+                                              <p:pRg st="7" end="7"/>
+                                            </p:txEl>
+                                          </p:spTgt>
+                                        </p:tgtEl>
+                                      </p:cBhvr>
+                                    </p:animEffect>
+                                  </p:childTnLst>
+                                </p:cTn>
+                              </p:par>
+                              <p:par>
+                                <p:cTn id="35" presetID="10" presetClass="entr" presetSubtype="0" fill="hold" grpId="0" nodeType="withEffect">
+                                  <p:stCondLst>
+                                    <p:cond delay="0"/>
+                                  </p:stCondLst>
+                                  <p:childTnLst>
+                                    <p:set>
+                                      <p:cBhvr>
+                                        <p:cTn id="36" dur="1" fill="hold">
+                                          <p:stCondLst>
+                                            <p:cond delay="0"/>
+                                          </p:stCondLst>
+                                        </p:cTn>
+                                        <p:tgtEl>
+                                          <p:spTgt spid="3">
+                                            <p:txEl>
+                                              <p:pRg st="8" end="8"/>
+                                            </p:txEl>
+                                          </p:spTgt>
+                                        </p:tgtEl>
+                                        <p:attrNameLst>
+                                          <p:attrName>style.visibility</p:attrName>
+                                        </p:attrNameLst>
+                                      </p:cBhvr>
+                                      <p:to>
+                                        <p:strVal val="visible"/>
+                                      </p:to>
+                                    </p:set>
+                                    <p:animEffect transition="in" filter="fade">
+                                      <p:cBhvr>
+                                        <p:cTn id="37" dur="500"/>
+                                        <p:tgtEl>
+                                          <p:spTgt spid="3">
+                                            <p:txEl>
+                                              <p:pRg st="8" end="8"/>
+                                            </p:txEl>
+                                          </p:spTgt>
+                                        </p:tgtEl>
+                                      </p:cBhvr>
+                                    </p:animEffect>
+                                  </p:childTnLst>
+                                </p:cTn>
+                              </p:par>
+                            </p:childTnLst>
+                          </p:cTn>
+                        </p:par>
+                      </p:childTnLst>
+                    </p:cTn>
+                  </p:par>
+                </p:childTnLst>
+              </p:cTn>
+              <p:prevCondLst>
+                <p:cond evt="onPrev" delay="0">
+                  <p:tgtEl>
+                    <p:sldTgt/>
+                  </p:tgtEl>
+                </p:cond>
+              </p:prevCondLst>
+              <p:nextCondLst>
+                <p:cond evt="onNext" delay="0">
+                  <p:tgtEl>
+                    <p:sldTgt/>
+                  </p:tgtEl>
+                </p:cond>
+              </p:nextCondLst>
+            </p:seq>
+          </p:childTnLst>
+        </p:cTn>
       </p:par>
     </p:tnLst>
+    <p:bldLst>
+      <p:bldP spid="3" grpId="0" build="p"/>
+    </p:bldLst>
   </p:timing>
 </p:sld>
 </file>
@@ -15131,9 +15616,286 @@
   <p:timing>
     <p:tnLst>
       <p:par>
-        <p:cTn id="1" dur="indefinite" restart="never" nodeType="tmRoot"/>
+        <p:cTn id="1" dur="indefinite" restart="never" nodeType="tmRoot">
+          <p:childTnLst>
+            <p:seq concurrent="1" nextAc="seek">
+              <p:cTn id="2" dur="indefinite" nodeType="mainSeq">
+                <p:childTnLst>
+                  <p:par>
+                    <p:cTn id="3" fill="hold">
+                      <p:stCondLst>
+                        <p:cond delay="indefinite"/>
+                      </p:stCondLst>
+                      <p:childTnLst>
+                        <p:par>
+                          <p:cTn id="4" fill="hold">
+                            <p:stCondLst>
+                              <p:cond delay="0"/>
+                            </p:stCondLst>
+                            <p:childTnLst>
+                              <p:par>
+                                <p:cTn id="5" presetID="10" presetClass="entr" presetSubtype="0" fill="hold" grpId="0" nodeType="clickEffect">
+                                  <p:stCondLst>
+                                    <p:cond delay="0"/>
+                                  </p:stCondLst>
+                                  <p:childTnLst>
+                                    <p:set>
+                                      <p:cBhvr>
+                                        <p:cTn id="6" dur="1" fill="hold">
+                                          <p:stCondLst>
+                                            <p:cond delay="0"/>
+                                          </p:stCondLst>
+                                        </p:cTn>
+                                        <p:tgtEl>
+                                          <p:spTgt spid="3">
+                                            <p:txEl>
+                                              <p:pRg st="0" end="0"/>
+                                            </p:txEl>
+                                          </p:spTgt>
+                                        </p:tgtEl>
+                                        <p:attrNameLst>
+                                          <p:attrName>style.visibility</p:attrName>
+                                        </p:attrNameLst>
+                                      </p:cBhvr>
+                                      <p:to>
+                                        <p:strVal val="visible"/>
+                                      </p:to>
+                                    </p:set>
+                                    <p:animEffect transition="in" filter="fade">
+                                      <p:cBhvr>
+                                        <p:cTn id="7" dur="500"/>
+                                        <p:tgtEl>
+                                          <p:spTgt spid="3">
+                                            <p:txEl>
+                                              <p:pRg st="0" end="0"/>
+                                            </p:txEl>
+                                          </p:spTgt>
+                                        </p:tgtEl>
+                                      </p:cBhvr>
+                                    </p:animEffect>
+                                  </p:childTnLst>
+                                </p:cTn>
+                              </p:par>
+                              <p:par>
+                                <p:cTn id="8" presetID="10" presetClass="entr" presetSubtype="0" fill="hold" grpId="0" nodeType="withEffect">
+                                  <p:stCondLst>
+                                    <p:cond delay="0"/>
+                                  </p:stCondLst>
+                                  <p:childTnLst>
+                                    <p:set>
+                                      <p:cBhvr>
+                                        <p:cTn id="9" dur="1" fill="hold">
+                                          <p:stCondLst>
+                                            <p:cond delay="0"/>
+                                          </p:stCondLst>
+                                        </p:cTn>
+                                        <p:tgtEl>
+                                          <p:spTgt spid="3">
+                                            <p:txEl>
+                                              <p:pRg st="1" end="1"/>
+                                            </p:txEl>
+                                          </p:spTgt>
+                                        </p:tgtEl>
+                                        <p:attrNameLst>
+                                          <p:attrName>style.visibility</p:attrName>
+                                        </p:attrNameLst>
+                                      </p:cBhvr>
+                                      <p:to>
+                                        <p:strVal val="visible"/>
+                                      </p:to>
+                                    </p:set>
+                                    <p:animEffect transition="in" filter="fade">
+                                      <p:cBhvr>
+                                        <p:cTn id="10" dur="500"/>
+                                        <p:tgtEl>
+                                          <p:spTgt spid="3">
+                                            <p:txEl>
+                                              <p:pRg st="1" end="1"/>
+                                            </p:txEl>
+                                          </p:spTgt>
+                                        </p:tgtEl>
+                                      </p:cBhvr>
+                                    </p:animEffect>
+                                  </p:childTnLst>
+                                </p:cTn>
+                              </p:par>
+                            </p:childTnLst>
+                          </p:cTn>
+                        </p:par>
+                      </p:childTnLst>
+                    </p:cTn>
+                  </p:par>
+                  <p:par>
+                    <p:cTn id="11" fill="hold">
+                      <p:stCondLst>
+                        <p:cond delay="indefinite"/>
+                      </p:stCondLst>
+                      <p:childTnLst>
+                        <p:par>
+                          <p:cTn id="12" fill="hold">
+                            <p:stCondLst>
+                              <p:cond delay="0"/>
+                            </p:stCondLst>
+                            <p:childTnLst>
+                              <p:par>
+                                <p:cTn id="13" presetID="10" presetClass="entr" presetSubtype="0" fill="hold" grpId="0" nodeType="clickEffect">
+                                  <p:stCondLst>
+                                    <p:cond delay="0"/>
+                                  </p:stCondLst>
+                                  <p:childTnLst>
+                                    <p:set>
+                                      <p:cBhvr>
+                                        <p:cTn id="14" dur="1" fill="hold">
+                                          <p:stCondLst>
+                                            <p:cond delay="0"/>
+                                          </p:stCondLst>
+                                        </p:cTn>
+                                        <p:tgtEl>
+                                          <p:spTgt spid="3">
+                                            <p:txEl>
+                                              <p:pRg st="2" end="2"/>
+                                            </p:txEl>
+                                          </p:spTgt>
+                                        </p:tgtEl>
+                                        <p:attrNameLst>
+                                          <p:attrName>style.visibility</p:attrName>
+                                        </p:attrNameLst>
+                                      </p:cBhvr>
+                                      <p:to>
+                                        <p:strVal val="visible"/>
+                                      </p:to>
+                                    </p:set>
+                                    <p:animEffect transition="in" filter="fade">
+                                      <p:cBhvr>
+                                        <p:cTn id="15" dur="500"/>
+                                        <p:tgtEl>
+                                          <p:spTgt spid="3">
+                                            <p:txEl>
+                                              <p:pRg st="2" end="2"/>
+                                            </p:txEl>
+                                          </p:spTgt>
+                                        </p:tgtEl>
+                                      </p:cBhvr>
+                                    </p:animEffect>
+                                  </p:childTnLst>
+                                </p:cTn>
+                              </p:par>
+                              <p:par>
+                                <p:cTn id="16" presetID="10" presetClass="entr" presetSubtype="0" fill="hold" grpId="0" nodeType="withEffect">
+                                  <p:stCondLst>
+                                    <p:cond delay="0"/>
+                                  </p:stCondLst>
+                                  <p:childTnLst>
+                                    <p:set>
+                                      <p:cBhvr>
+                                        <p:cTn id="17" dur="1" fill="hold">
+                                          <p:stCondLst>
+                                            <p:cond delay="0"/>
+                                          </p:stCondLst>
+                                        </p:cTn>
+                                        <p:tgtEl>
+                                          <p:spTgt spid="3">
+                                            <p:txEl>
+                                              <p:pRg st="3" end="3"/>
+                                            </p:txEl>
+                                          </p:spTgt>
+                                        </p:tgtEl>
+                                        <p:attrNameLst>
+                                          <p:attrName>style.visibility</p:attrName>
+                                        </p:attrNameLst>
+                                      </p:cBhvr>
+                                      <p:to>
+                                        <p:strVal val="visible"/>
+                                      </p:to>
+                                    </p:set>
+                                    <p:animEffect transition="in" filter="fade">
+                                      <p:cBhvr>
+                                        <p:cTn id="18" dur="500"/>
+                                        <p:tgtEl>
+                                          <p:spTgt spid="3">
+                                            <p:txEl>
+                                              <p:pRg st="3" end="3"/>
+                                            </p:txEl>
+                                          </p:spTgt>
+                                        </p:tgtEl>
+                                      </p:cBhvr>
+                                    </p:animEffect>
+                                  </p:childTnLst>
+                                </p:cTn>
+                              </p:par>
+                              <p:par>
+                                <p:cTn id="19" presetID="10" presetClass="entr" presetSubtype="0" fill="hold" grpId="0" nodeType="withEffect">
+                                  <p:stCondLst>
+                                    <p:cond delay="0"/>
+                                  </p:stCondLst>
+                                  <p:childTnLst>
+                                    <p:set>
+                                      <p:cBhvr>
+                                        <p:cTn id="20" dur="1" fill="hold">
+                                          <p:stCondLst>
+                                            <p:cond delay="0"/>
+                                          </p:stCondLst>
+                                        </p:cTn>
+                                        <p:tgtEl>
+                                          <p:spTgt spid="3">
+                                            <p:txEl>
+                                              <p:pRg st="4" end="4"/>
+                                            </p:txEl>
+                                          </p:spTgt>
+                                        </p:tgtEl>
+                                        <p:attrNameLst>
+                                          <p:attrName>style.visibility</p:attrName>
+                                        </p:attrNameLst>
+                                      </p:cBhvr>
+                                      <p:to>
+                                        <p:strVal val="visible"/>
+                                      </p:to>
+                                    </p:set>
+                                    <p:animEffect transition="in" filter="fade">
+                                      <p:cBhvr>
+                                        <p:cTn id="21" dur="500"/>
+                                        <p:tgtEl>
+                                          <p:spTgt spid="3">
+                                            <p:txEl>
+                                              <p:pRg st="4" end="4"/>
+                                            </p:txEl>
+                                          </p:spTgt>
+                                        </p:tgtEl>
+                                      </p:cBhvr>
+                                    </p:animEffect>
+                                  </p:childTnLst>
+                                </p:cTn>
+                              </p:par>
+                            </p:childTnLst>
+                          </p:cTn>
+                        </p:par>
+                      </p:childTnLst>
+                    </p:cTn>
+                  </p:par>
+                </p:childTnLst>
+              </p:cTn>
+              <p:prevCondLst>
+                <p:cond evt="onPrev" delay="0">
+                  <p:tgtEl>
+                    <p:sldTgt/>
+                  </p:tgtEl>
+                </p:cond>
+              </p:prevCondLst>
+              <p:nextCondLst>
+                <p:cond evt="onNext" delay="0">
+                  <p:tgtEl>
+                    <p:sldTgt/>
+                  </p:tgtEl>
+                </p:cond>
+              </p:nextCondLst>
+            </p:seq>
+          </p:childTnLst>
+        </p:cTn>
       </p:par>
     </p:tnLst>
+    <p:bldLst>
+      <p:bldP spid="3" grpId="0" build="p"/>
+    </p:bldLst>
   </p:timing>
 </p:sld>
 </file>
